--- a/doc/Eindpresentaite Januari.pptx
+++ b/doc/Eindpresentaite Januari.pptx
@@ -17,17 +17,18 @@
     <p:sldId id="276" r:id="rId11"/>
     <p:sldId id="277" r:id="rId12"/>
     <p:sldId id="278" r:id="rId13"/>
-    <p:sldId id="268" r:id="rId14"/>
-    <p:sldId id="269" r:id="rId15"/>
-    <p:sldId id="260" r:id="rId16"/>
-    <p:sldId id="262" r:id="rId17"/>
-    <p:sldId id="264" r:id="rId18"/>
-    <p:sldId id="259" r:id="rId19"/>
-    <p:sldId id="263" r:id="rId20"/>
-    <p:sldId id="265" r:id="rId21"/>
-    <p:sldId id="272" r:id="rId22"/>
-    <p:sldId id="273" r:id="rId23"/>
-    <p:sldId id="261" r:id="rId24"/>
+    <p:sldId id="279" r:id="rId14"/>
+    <p:sldId id="268" r:id="rId15"/>
+    <p:sldId id="269" r:id="rId16"/>
+    <p:sldId id="260" r:id="rId17"/>
+    <p:sldId id="262" r:id="rId18"/>
+    <p:sldId id="264" r:id="rId19"/>
+    <p:sldId id="259" r:id="rId20"/>
+    <p:sldId id="263" r:id="rId21"/>
+    <p:sldId id="265" r:id="rId22"/>
+    <p:sldId id="272" r:id="rId23"/>
+    <p:sldId id="273" r:id="rId24"/>
+    <p:sldId id="280" r:id="rId25"/>
   </p:sldIdLst>
   <p:sldSz cx="12192000" cy="6858000"/>
   <p:notesSz cx="6858000" cy="9144000"/>
@@ -143,6 +144,7 @@
             <p14:sldId id="276"/>
             <p14:sldId id="277"/>
             <p14:sldId id="278"/>
+            <p14:sldId id="279"/>
             <p14:sldId id="268"/>
             <p14:sldId id="269"/>
             <p14:sldId id="260"/>
@@ -153,7 +155,7 @@
             <p14:sldId id="265"/>
             <p14:sldId id="272"/>
             <p14:sldId id="273"/>
-            <p14:sldId id="261"/>
+            <p14:sldId id="280"/>
           </p14:sldIdLst>
         </p14:section>
       </p14:sectionLst>
@@ -260,7 +262,7 @@
           <a:effectLst/>
           <a:extLst>
             <a:ext uri="{91240B29-F687-4f45-9708-019B960494DF}">
-              <a14:hiddenLine xmlns="" xmlns:a14="http://schemas.microsoft.com/office/drawing/2010/main" w="9525">
+              <a14:hiddenLine xmlns:a14="http://schemas.microsoft.com/office/drawing/2010/main" xmlns="" w="9525">
                 <a:solidFill>
                   <a:srgbClr val="000000"/>
                 </a:solidFill>
@@ -453,7 +455,7 @@
             <a:fld id="{08B9EBBA-996F-894A-B54A-D6246ED52CEA}" type="datetimeFigureOut">
               <a:rPr lang="en-US" dirty="0"/>
               <a:pPr/>
-              <a:t>1/18/2019</a:t>
+              <a:t>1/23/2019</a:t>
             </a:fld>
             <a:endParaRPr lang="en-US" dirty="0"/>
           </a:p>
@@ -768,7 +770,7 @@
             <a:fld id="{18C79C5D-2A6F-F04D-97DA-BEF2467B64E4}" type="datetimeFigureOut">
               <a:rPr lang="en-US" dirty="0"/>
               <a:pPr/>
-              <a:t>1/18/2019</a:t>
+              <a:t>1/23/2019</a:t>
             </a:fld>
             <a:endParaRPr lang="en-US" dirty="0"/>
           </a:p>
@@ -1253,7 +1255,7 @@
             <a:fld id="{8DFA1846-DA80-1C48-A609-854EA85C59AD}" type="datetimeFigureOut">
               <a:rPr lang="en-US" dirty="0"/>
               <a:pPr/>
-              <a:t>1/18/2019</a:t>
+              <a:t>1/23/2019</a:t>
             </a:fld>
             <a:endParaRPr lang="en-US" dirty="0"/>
           </a:p>
@@ -1619,7 +1621,7 @@
             <a:fld id="{FBF54567-0DE4-3F47-BF90-CB84690072F9}" type="datetimeFigureOut">
               <a:rPr lang="en-US" dirty="0"/>
               <a:pPr/>
-              <a:t>1/18/2019</a:t>
+              <a:t>1/23/2019</a:t>
             </a:fld>
             <a:endParaRPr lang="en-US" dirty="0"/>
           </a:p>
@@ -1770,7 +1772,7 @@
           <a:ln/>
           <a:extLst>
             <a:ext uri="{91240B29-F687-4f45-9708-019B960494DF}">
-              <a14:hiddenLine xmlns="" xmlns:a14="http://schemas.microsoft.com/office/drawing/2010/main" w="9525">
+              <a14:hiddenLine xmlns:a14="http://schemas.microsoft.com/office/drawing/2010/main" xmlns="" w="9525">
                 <a:solidFill>
                   <a:srgbClr val="000000"/>
                 </a:solidFill>
@@ -1889,7 +1891,7 @@
             <a:fld id="{C6C52C72-DE31-F449-A4ED-4C594FD91407}" type="datetimeFigureOut">
               <a:rPr lang="en-US" dirty="0"/>
               <a:pPr/>
-              <a:t>1/18/2019</a:t>
+              <a:t>1/23/2019</a:t>
             </a:fld>
             <a:endParaRPr lang="en-US" dirty="0"/>
           </a:p>
@@ -2042,7 +2044,7 @@
           <a:ln/>
           <a:extLst>
             <a:ext uri="{91240B29-F687-4f45-9708-019B960494DF}">
-              <a14:hiddenLine xmlns="" xmlns:a14="http://schemas.microsoft.com/office/drawing/2010/main" w="9525">
+              <a14:hiddenLine xmlns:a14="http://schemas.microsoft.com/office/drawing/2010/main" xmlns="" w="9525">
                 <a:solidFill>
                   <a:srgbClr val="000000"/>
                 </a:solidFill>
@@ -2171,7 +2173,7 @@
             <a:fld id="{ED62726E-379B-B349-9EED-81ED093FA806}" type="datetimeFigureOut">
               <a:rPr lang="en-US" dirty="0"/>
               <a:pPr/>
-              <a:t>1/18/2019</a:t>
+              <a:t>1/23/2019</a:t>
             </a:fld>
             <a:endParaRPr lang="en-US" dirty="0"/>
           </a:p>
@@ -2322,7 +2324,7 @@
           <a:ln/>
           <a:extLst>
             <a:ext uri="{91240B29-F687-4f45-9708-019B960494DF}">
-              <a14:hiddenLine xmlns="" xmlns:a14="http://schemas.microsoft.com/office/drawing/2010/main" w="9525">
+              <a14:hiddenLine xmlns:a14="http://schemas.microsoft.com/office/drawing/2010/main" xmlns="" w="9525">
                 <a:solidFill>
                   <a:srgbClr val="000000"/>
                 </a:solidFill>
@@ -2451,7 +2453,7 @@
             <a:fld id="{9B3A1323-8D79-1946-B0D7-40001CF92E9D}" type="datetimeFigureOut">
               <a:rPr lang="en-US" dirty="0"/>
               <a:pPr/>
-              <a:t>1/18/2019</a:t>
+              <a:t>1/23/2019</a:t>
             </a:fld>
             <a:endParaRPr lang="en-US" dirty="0"/>
           </a:p>
@@ -2791,7 +2793,7 @@
             <a:fld id="{8DFA1846-DA80-1C48-A609-854EA85C59AD}" type="datetimeFigureOut">
               <a:rPr lang="en-US" dirty="0"/>
               <a:pPr/>
-              <a:t>1/18/2019</a:t>
+              <a:t>1/23/2019</a:t>
             </a:fld>
             <a:endParaRPr lang="en-US" dirty="0"/>
           </a:p>
@@ -2942,7 +2944,7 @@
           <a:ln/>
           <a:extLst>
             <a:ext uri="{91240B29-F687-4f45-9708-019B960494DF}">
-              <a14:hiddenLine xmlns="" xmlns:a14="http://schemas.microsoft.com/office/drawing/2010/main" w="9525">
+              <a14:hiddenLine xmlns:a14="http://schemas.microsoft.com/office/drawing/2010/main" xmlns="" w="9525">
                 <a:solidFill>
                   <a:srgbClr val="000000"/>
                 </a:solidFill>
@@ -3127,7 +3129,7 @@
             <a:fld id="{57302355-E14B-8545-A8F8-0FE83CC9D524}" type="datetimeFigureOut">
               <a:rPr lang="en-US" dirty="0"/>
               <a:pPr/>
-              <a:t>1/18/2019</a:t>
+              <a:t>1/23/2019</a:t>
             </a:fld>
             <a:endParaRPr lang="en-US" dirty="0"/>
           </a:p>
@@ -3278,7 +3280,7 @@
           <a:ln/>
           <a:extLst>
             <a:ext uri="{91240B29-F687-4f45-9708-019B960494DF}">
-              <a14:hiddenLine xmlns="" xmlns:a14="http://schemas.microsoft.com/office/drawing/2010/main" w="9525">
+              <a14:hiddenLine xmlns:a14="http://schemas.microsoft.com/office/drawing/2010/main" xmlns="" w="9525">
                 <a:solidFill>
                   <a:srgbClr val="000000"/>
                 </a:solidFill>
@@ -3601,7 +3603,7 @@
             <a:fld id="{02640F58-564D-2B4F-AE67-E407BA4FCF45}" type="datetimeFigureOut">
               <a:rPr lang="en-US" dirty="0"/>
               <a:pPr/>
-              <a:t>1/18/2019</a:t>
+              <a:t>1/23/2019</a:t>
             </a:fld>
             <a:endParaRPr lang="en-US" dirty="0"/>
           </a:p>
@@ -3752,7 +3754,7 @@
           <a:ln/>
           <a:extLst>
             <a:ext uri="{91240B29-F687-4f45-9708-019B960494DF}">
-              <a14:hiddenLine xmlns="" xmlns:a14="http://schemas.microsoft.com/office/drawing/2010/main" w="9525">
+              <a14:hiddenLine xmlns:a14="http://schemas.microsoft.com/office/drawing/2010/main" xmlns="" w="9525">
                 <a:solidFill>
                   <a:srgbClr val="000000"/>
                 </a:solidFill>
@@ -3819,7 +3821,7 @@
             <a:fld id="{F13A34C8-038E-2045-AF43-DF7DBB8E0E9E}" type="datetimeFigureOut">
               <a:rPr lang="en-US" dirty="0"/>
               <a:pPr/>
-              <a:t>1/18/2019</a:t>
+              <a:t>1/23/2019</a:t>
             </a:fld>
             <a:endParaRPr lang="en-US" dirty="0"/>
           </a:p>
@@ -3911,7 +3913,7 @@
             <a:fld id="{8818C68F-D26B-8F47-958C-23B49CF8A634}" type="datetimeFigureOut">
               <a:rPr lang="en-US" dirty="0"/>
               <a:pPr/>
-              <a:t>1/18/2019</a:t>
+              <a:t>1/23/2019</a:t>
             </a:fld>
             <a:endParaRPr lang="en-US" dirty="0"/>
           </a:p>
@@ -4175,7 +4177,7 @@
           <a:ln/>
           <a:extLst>
             <a:ext uri="{91240B29-F687-4f45-9708-019B960494DF}">
-              <a14:hiddenLine xmlns="" xmlns:a14="http://schemas.microsoft.com/office/drawing/2010/main" w="9525">
+              <a14:hiddenLine xmlns:a14="http://schemas.microsoft.com/office/drawing/2010/main" xmlns="" w="9525">
                 <a:solidFill>
                   <a:srgbClr val="000000"/>
                 </a:solidFill>
@@ -4375,7 +4377,7 @@
             <a:fld id="{D0DF5E60-9974-AC48-9591-99C2BB44B7CF}" type="datetimeFigureOut">
               <a:rPr lang="en-US" dirty="0"/>
               <a:pPr/>
-              <a:t>1/18/2019</a:t>
+              <a:t>1/23/2019</a:t>
             </a:fld>
             <a:endParaRPr lang="en-US" dirty="0"/>
           </a:p>
@@ -4685,7 +4687,7 @@
             <a:fld id="{18C79C5D-2A6F-F04D-97DA-BEF2467B64E4}" type="datetimeFigureOut">
               <a:rPr lang="en-US" dirty="0"/>
               <a:pPr/>
-              <a:t>1/18/2019</a:t>
+              <a:t>1/23/2019</a:t>
             </a:fld>
             <a:endParaRPr lang="en-US" dirty="0"/>
           </a:p>
@@ -4952,7 +4954,7 @@
             <a:fld id="{09B482E8-6E0E-1B4F-B1FD-C69DB9E858D9}" type="datetimeFigureOut">
               <a:rPr lang="en-US" dirty="0"/>
               <a:pPr/>
-              <a:t>1/18/2019</a:t>
+              <a:t>1/23/2019</a:t>
             </a:fld>
             <a:endParaRPr lang="en-US" dirty="0"/>
           </a:p>
@@ -6178,7 +6180,7 @@
           <p:cNvPr id="2" name="Titel 1">
             <a:extLst>
               <a:ext uri="{FF2B5EF4-FFF2-40B4-BE49-F238E27FC236}">
-                <a16:creationId xmlns:a16="http://schemas.microsoft.com/office/drawing/2014/main" id="{3DC7B748-E867-4784-8F7D-537A0D2573F1}"/>
+                <a16:creationId xmlns:a16="http://schemas.microsoft.com/office/drawing/2014/main" id="{DCD85933-2642-47E0-B63E-CAAA7FE0CB5B}"/>
               </a:ext>
             </a:extLst>
           </p:cNvPr>
@@ -6196,7 +6198,7 @@
           <a:p>
             <a:r>
               <a:rPr lang="nl-BE" dirty="0"/>
-              <a:t>Joren</a:t>
+              <a:t>Joren (vorige sprints)</a:t>
             </a:r>
           </a:p>
         </p:txBody>
@@ -6206,7 +6208,7 @@
           <p:cNvPr id="3" name="Tijdelijke aanduiding voor inhoud 2">
             <a:extLst>
               <a:ext uri="{FF2B5EF4-FFF2-40B4-BE49-F238E27FC236}">
-                <a16:creationId xmlns:a16="http://schemas.microsoft.com/office/drawing/2014/main" id="{B892A9D7-3732-423F-86AA-76D89E6FDBDC}"/>
+                <a16:creationId xmlns:a16="http://schemas.microsoft.com/office/drawing/2014/main" id="{2AA35F7A-D4EF-4307-B848-46D16A05E7BA}"/>
               </a:ext>
             </a:extLst>
           </p:cNvPr>
@@ -6223,85 +6225,50 @@
           <a:lstStyle/>
           <a:p>
             <a:r>
+              <a:rPr lang="nl-BE" dirty="0"/>
+              <a:t>Backend opzetten</a:t>
+            </a:r>
+          </a:p>
+          <a:p>
+            <a:r>
               <a:rPr lang="nl-BE" dirty="0" err="1"/>
-              <a:t>Raspberry</a:t>
+              <a:t>Api</a:t>
             </a:r>
             <a:r>
               <a:rPr lang="nl-BE" dirty="0"/>
-              <a:t> pi (</a:t>
-            </a:r>
-            <a:r>
-              <a:rPr lang="nl-BE" dirty="0" err="1"/>
-              <a:t>raspbian</a:t>
-            </a:r>
+              <a:t> + database maken</a:t>
+            </a:r>
+          </a:p>
+          <a:p>
             <a:r>
               <a:rPr lang="nl-BE" dirty="0"/>
-              <a:t>)</a:t>
+              <a:t>Foto’s tonen op website</a:t>
             </a:r>
           </a:p>
           <a:p>
             <a:r>
               <a:rPr lang="nl-BE" dirty="0"/>
-              <a:t>MYSQL</a:t>
-            </a:r>
-          </a:p>
-          <a:p>
-            <a:r>
-              <a:rPr lang="nl-BE" dirty="0" err="1"/>
-              <a:t>Phpmyadmin</a:t>
-            </a:r>
-            <a:endParaRPr lang="nl-BE" dirty="0"/>
-          </a:p>
-          <a:p>
-            <a:r>
-              <a:rPr lang="nl-BE" dirty="0" err="1"/>
-              <a:t>Debian</a:t>
-            </a:r>
-            <a:endParaRPr lang="nl-BE" dirty="0"/>
-          </a:p>
-          <a:p>
-            <a:r>
-              <a:rPr lang="nl-BE" dirty="0" err="1"/>
-              <a:t>Flask</a:t>
-            </a:r>
-            <a:endParaRPr lang="nl-BE" dirty="0"/>
-          </a:p>
-          <a:p>
-            <a:r>
-              <a:rPr lang="nl-BE" dirty="0" err="1"/>
-              <a:t>pymysql</a:t>
-            </a:r>
+              <a:t>Filteren van foto’s op website</a:t>
+            </a:r>
+          </a:p>
+          <a:p>
             <a:r>
               <a:rPr lang="nl-BE" dirty="0"/>
-              <a:t> </a:t>
-            </a:r>
-            <a:r>
-              <a:rPr lang="nl-BE" dirty="0">
-                <a:sym typeface="Wingdings" panose="05000000000000000000" pitchFamily="2" charset="2"/>
-              </a:rPr>
-              <a:t> </a:t>
-            </a:r>
-            <a:r>
-              <a:rPr lang="nl-BE" dirty="0" err="1">
-                <a:sym typeface="Wingdings" panose="05000000000000000000" pitchFamily="2" charset="2"/>
-              </a:rPr>
-              <a:t>s</a:t>
-            </a:r>
-            <a:r>
-              <a:rPr lang="nl-BE" dirty="0" err="1"/>
-              <a:t>qlalchemy</a:t>
-            </a:r>
-            <a:endParaRPr lang="nl-BE" dirty="0"/>
-          </a:p>
-          <a:p>
-            <a:endParaRPr lang="nl-BE" dirty="0"/>
+              <a:t>Foto maken op website</a:t>
+            </a:r>
+          </a:p>
+          <a:p>
+            <a:r>
+              <a:rPr lang="nl-BE" dirty="0"/>
+              <a:t>Info tonen van foto’s op website</a:t>
+            </a:r>
           </a:p>
         </p:txBody>
       </p:sp>
     </p:spTree>
     <p:extLst>
       <p:ext uri="{BB962C8B-B14F-4D97-AF65-F5344CB8AC3E}">
-        <p14:creationId xmlns:p14="http://schemas.microsoft.com/office/powerpoint/2010/main" val="3245199921"/>
+        <p14:creationId xmlns:p14="http://schemas.microsoft.com/office/powerpoint/2010/main" val="3415944781"/>
       </p:ext>
     </p:extLst>
   </p:cSld>
@@ -6333,7 +6300,7 @@
           <p:cNvPr id="2" name="Titel 1">
             <a:extLst>
               <a:ext uri="{FF2B5EF4-FFF2-40B4-BE49-F238E27FC236}">
-                <a16:creationId xmlns:a16="http://schemas.microsoft.com/office/drawing/2014/main" id="{586097F1-715B-4274-BAEE-A8A6D9F3A29D}"/>
+                <a16:creationId xmlns:a16="http://schemas.microsoft.com/office/drawing/2014/main" id="{3DC7B748-E867-4784-8F7D-537A0D2573F1}"/>
               </a:ext>
             </a:extLst>
           </p:cNvPr>
@@ -6351,7 +6318,7 @@
           <a:p>
             <a:r>
               <a:rPr lang="nl-BE" dirty="0"/>
-              <a:t>Kevin</a:t>
+              <a:t>Joren (deze sprint)</a:t>
             </a:r>
           </a:p>
         </p:txBody>
@@ -6361,7 +6328,7 @@
           <p:cNvPr id="3" name="Tijdelijke aanduiding voor inhoud 2">
             <a:extLst>
               <a:ext uri="{FF2B5EF4-FFF2-40B4-BE49-F238E27FC236}">
-                <a16:creationId xmlns:a16="http://schemas.microsoft.com/office/drawing/2014/main" id="{BAF7BA55-F003-45DD-9E17-C982448BE2A8}"/>
+                <a16:creationId xmlns:a16="http://schemas.microsoft.com/office/drawing/2014/main" id="{B892A9D7-3732-423F-86AA-76D89E6FDBDC}"/>
               </a:ext>
             </a:extLst>
           </p:cNvPr>
@@ -6372,38 +6339,66 @@
             <p:ph idx="1"/>
           </p:nvPr>
         </p:nvSpPr>
-        <p:spPr/>
+        <p:spPr>
+          <a:xfrm>
+            <a:off x="818712" y="2222287"/>
+            <a:ext cx="10554574" cy="3636511"/>
+          </a:xfrm>
+        </p:spPr>
         <p:txBody>
           <a:bodyPr/>
           <a:lstStyle/>
           <a:p>
             <a:r>
+              <a:rPr lang="nl-BE" dirty="0" err="1"/>
+              <a:t>Enable</a:t>
+            </a:r>
+            <a:r>
               <a:rPr lang="nl-BE" dirty="0"/>
-              <a:t>Web Interface -&gt; </a:t>
+              <a:t>/</a:t>
             </a:r>
             <a:r>
               <a:rPr lang="nl-BE" dirty="0" err="1"/>
-              <a:t>React</a:t>
+              <a:t>disable</a:t>
+            </a:r>
+            <a:r>
+              <a:rPr lang="nl-BE" dirty="0"/>
+              <a:t> op website afwerken</a:t>
+            </a:r>
+          </a:p>
+          <a:p>
+            <a:r>
+              <a:rPr lang="nl-BE" dirty="0"/>
+              <a:t>Camera toevoegen op website</a:t>
+            </a:r>
+          </a:p>
+          <a:p>
+            <a:r>
+              <a:rPr lang="nl-BE" dirty="0"/>
+              <a:t>Deleten van foto’s op </a:t>
+            </a:r>
+            <a:r>
+              <a:rPr lang="nl-BE" dirty="0" err="1"/>
+              <a:t>webinterface</a:t>
             </a:r>
             <a:endParaRPr lang="nl-BE" dirty="0"/>
           </a:p>
           <a:p>
             <a:r>
               <a:rPr lang="nl-BE" dirty="0"/>
-              <a:t>Android </a:t>
-            </a:r>
-            <a:r>
-              <a:rPr lang="nl-BE" dirty="0" err="1"/>
-              <a:t>application</a:t>
-            </a:r>
+              <a:t>Routing op website</a:t>
+            </a:r>
+          </a:p>
+          <a:p>
             <a:r>
               <a:rPr lang="nl-BE" dirty="0"/>
-              <a:t> -&gt; </a:t>
-            </a:r>
-            <a:r>
-              <a:rPr lang="nl-BE" dirty="0" err="1"/>
-              <a:t>Kotlin</a:t>
-            </a:r>
+              <a:t>Debuggen van website</a:t>
+            </a:r>
+          </a:p>
+          <a:p>
+            <a:endParaRPr lang="nl-BE" dirty="0"/>
+          </a:p>
+          <a:p>
             <a:endParaRPr lang="nl-BE" dirty="0"/>
           </a:p>
           <a:p>
@@ -6414,7 +6409,7 @@
     </p:spTree>
     <p:extLst>
       <p:ext uri="{BB962C8B-B14F-4D97-AF65-F5344CB8AC3E}">
-        <p14:creationId xmlns:p14="http://schemas.microsoft.com/office/powerpoint/2010/main" val="594560169"/>
+        <p14:creationId xmlns:p14="http://schemas.microsoft.com/office/powerpoint/2010/main" val="3245199921"/>
       </p:ext>
     </p:extLst>
   </p:cSld>
@@ -6446,7 +6441,7 @@
           <p:cNvPr id="2" name="Titel 1">
             <a:extLst>
               <a:ext uri="{FF2B5EF4-FFF2-40B4-BE49-F238E27FC236}">
-                <a16:creationId xmlns:a16="http://schemas.microsoft.com/office/drawing/2014/main" id="{B85FE014-3863-4FCF-BE18-916CB73C906A}"/>
+                <a16:creationId xmlns:a16="http://schemas.microsoft.com/office/drawing/2014/main" id="{586097F1-715B-4274-BAEE-A8A6D9F3A29D}"/>
               </a:ext>
             </a:extLst>
           </p:cNvPr>
@@ -6464,7 +6459,7 @@
           <a:p>
             <a:r>
               <a:rPr lang="nl-BE" dirty="0"/>
-              <a:t>Problemen</a:t>
+              <a:t>Kevin</a:t>
             </a:r>
           </a:p>
         </p:txBody>
@@ -6474,7 +6469,7 @@
           <p:cNvPr id="3" name="Tijdelijke aanduiding voor inhoud 2">
             <a:extLst>
               <a:ext uri="{FF2B5EF4-FFF2-40B4-BE49-F238E27FC236}">
-                <a16:creationId xmlns:a16="http://schemas.microsoft.com/office/drawing/2014/main" id="{7D3F94B8-CE6A-4B10-BCC8-00A95AA9568A}"/>
+                <a16:creationId xmlns:a16="http://schemas.microsoft.com/office/drawing/2014/main" id="{BAF7BA55-F003-45DD-9E17-C982448BE2A8}"/>
               </a:ext>
             </a:extLst>
           </p:cNvPr>
@@ -6492,104 +6487,32 @@
           <a:p>
             <a:r>
               <a:rPr lang="nl-BE" dirty="0"/>
-              <a:t>Backend = python (nieuw)</a:t>
-            </a:r>
-          </a:p>
-          <a:p>
-            <a:pPr lvl="1"/>
-            <a:r>
-              <a:rPr lang="nl-BE" dirty="0"/>
-              <a:t>Zoeken naar </a:t>
-            </a:r>
-            <a:r>
-              <a:rPr lang="nl-BE" dirty="0" err="1"/>
-              <a:t>libaries</a:t>
-            </a:r>
-            <a:endParaRPr lang="nl-BE" dirty="0"/>
-          </a:p>
-          <a:p>
-            <a:pPr lvl="1"/>
-            <a:r>
-              <a:rPr lang="nl-BE" dirty="0"/>
-              <a:t>Probleem met 2 tabellen te </a:t>
-            </a:r>
-            <a:r>
-              <a:rPr lang="nl-BE" dirty="0" err="1"/>
-              <a:t>joinen</a:t>
-            </a:r>
-            <a:r>
-              <a:rPr lang="nl-BE" dirty="0"/>
-              <a:t> in de API</a:t>
-            </a:r>
-          </a:p>
-          <a:p>
+              <a:t>Web Interface -&gt; </a:t>
+            </a:r>
             <a:r>
               <a:rPr lang="nl-BE" dirty="0" err="1"/>
               <a:t>React</a:t>
             </a:r>
+            <a:endParaRPr lang="nl-BE" dirty="0"/>
+          </a:p>
+          <a:p>
             <a:r>
               <a:rPr lang="nl-BE" dirty="0"/>
-              <a:t> Native leren nam teveel tijd in beslag </a:t>
-            </a:r>
-            <a:r>
-              <a:rPr lang="nl-BE" dirty="0">
-                <a:sym typeface="Wingdings" panose="05000000000000000000" pitchFamily="2" charset="2"/>
-              </a:rPr>
-              <a:t> Native Android app (</a:t>
-            </a:r>
-            <a:r>
-              <a:rPr lang="nl-BE" dirty="0" err="1">
-                <a:sym typeface="Wingdings" panose="05000000000000000000" pitchFamily="2" charset="2"/>
-              </a:rPr>
-              <a:t>kotlin</a:t>
-            </a:r>
-            <a:r>
-              <a:rPr lang="nl-BE" dirty="0">
-                <a:sym typeface="Wingdings" panose="05000000000000000000" pitchFamily="2" charset="2"/>
-              </a:rPr>
-              <a:t>)</a:t>
-            </a:r>
-          </a:p>
-          <a:p>
-            <a:r>
-              <a:rPr lang="nl-BE" dirty="0">
-                <a:sym typeface="Wingdings" panose="05000000000000000000" pitchFamily="2" charset="2"/>
-              </a:rPr>
-              <a:t>PCB print</a:t>
-            </a:r>
-          </a:p>
-          <a:p>
-            <a:r>
-              <a:rPr lang="nl-BE" dirty="0">
-                <a:sym typeface="Wingdings" panose="05000000000000000000" pitchFamily="2" charset="2"/>
-              </a:rPr>
-              <a:t>Nog geen kennis over </a:t>
-            </a:r>
-            <a:r>
-              <a:rPr lang="nl-BE" dirty="0" err="1">
-                <a:sym typeface="Wingdings" panose="05000000000000000000" pitchFamily="2" charset="2"/>
-              </a:rPr>
-              <a:t>zonnenpanelen</a:t>
-            </a:r>
-            <a:r>
-              <a:rPr lang="nl-BE" dirty="0">
-                <a:sym typeface="Wingdings" panose="05000000000000000000" pitchFamily="2" charset="2"/>
-              </a:rPr>
-              <a:t> + batterijen</a:t>
-            </a:r>
-          </a:p>
-          <a:p>
-            <a:r>
-              <a:rPr lang="nl-BE" dirty="0">
-                <a:sym typeface="Wingdings" panose="05000000000000000000" pitchFamily="2" charset="2"/>
-              </a:rPr>
-              <a:t>Beperkte management skills</a:t>
-            </a:r>
-          </a:p>
-          <a:p>
-            <a:endParaRPr lang="nl-BE" dirty="0">
-              <a:sym typeface="Wingdings" panose="05000000000000000000" pitchFamily="2" charset="2"/>
-            </a:endParaRPr>
+              <a:t>Android </a:t>
+            </a:r>
+            <a:r>
+              <a:rPr lang="nl-BE" dirty="0" err="1"/>
+              <a:t>application</a:t>
+            </a:r>
+            <a:r>
+              <a:rPr lang="nl-BE" dirty="0"/>
+              <a:t> -&gt; </a:t>
+            </a:r>
+            <a:r>
+              <a:rPr lang="nl-BE" dirty="0" err="1"/>
+              <a:t>Kotlin</a:t>
+            </a:r>
+            <a:endParaRPr lang="nl-BE" dirty="0"/>
           </a:p>
           <a:p>
             <a:endParaRPr lang="nl-BE" dirty="0"/>
@@ -6599,7 +6522,7 @@
     </p:spTree>
     <p:extLst>
       <p:ext uri="{BB962C8B-B14F-4D97-AF65-F5344CB8AC3E}">
-        <p14:creationId xmlns:p14="http://schemas.microsoft.com/office/powerpoint/2010/main" val="4270976279"/>
+        <p14:creationId xmlns:p14="http://schemas.microsoft.com/office/powerpoint/2010/main" val="594560169"/>
       </p:ext>
     </p:extLst>
   </p:cSld>
@@ -6631,6 +6554,191 @@
           <p:cNvPr id="2" name="Titel 1">
             <a:extLst>
               <a:ext uri="{FF2B5EF4-FFF2-40B4-BE49-F238E27FC236}">
+                <a16:creationId xmlns:a16="http://schemas.microsoft.com/office/drawing/2014/main" id="{B85FE014-3863-4FCF-BE18-916CB73C906A}"/>
+              </a:ext>
+            </a:extLst>
+          </p:cNvPr>
+          <p:cNvSpPr>
+            <a:spLocks noGrp="1"/>
+          </p:cNvSpPr>
+          <p:nvPr>
+            <p:ph type="title"/>
+          </p:nvPr>
+        </p:nvSpPr>
+        <p:spPr/>
+        <p:txBody>
+          <a:bodyPr/>
+          <a:lstStyle/>
+          <a:p>
+            <a:r>
+              <a:rPr lang="nl-BE" dirty="0"/>
+              <a:t>Problemen</a:t>
+            </a:r>
+          </a:p>
+        </p:txBody>
+      </p:sp>
+      <p:sp>
+        <p:nvSpPr>
+          <p:cNvPr id="3" name="Tijdelijke aanduiding voor inhoud 2">
+            <a:extLst>
+              <a:ext uri="{FF2B5EF4-FFF2-40B4-BE49-F238E27FC236}">
+                <a16:creationId xmlns:a16="http://schemas.microsoft.com/office/drawing/2014/main" id="{7D3F94B8-CE6A-4B10-BCC8-00A95AA9568A}"/>
+              </a:ext>
+            </a:extLst>
+          </p:cNvPr>
+          <p:cNvSpPr>
+            <a:spLocks noGrp="1"/>
+          </p:cNvSpPr>
+          <p:nvPr>
+            <p:ph idx="1"/>
+          </p:nvPr>
+        </p:nvSpPr>
+        <p:spPr/>
+        <p:txBody>
+          <a:bodyPr/>
+          <a:lstStyle/>
+          <a:p>
+            <a:r>
+              <a:rPr lang="nl-BE" dirty="0"/>
+              <a:t>Backend = python (nieuw)</a:t>
+            </a:r>
+          </a:p>
+          <a:p>
+            <a:pPr lvl="1"/>
+            <a:r>
+              <a:rPr lang="nl-BE" dirty="0"/>
+              <a:t>Zoeken naar </a:t>
+            </a:r>
+            <a:r>
+              <a:rPr lang="nl-BE" dirty="0" err="1"/>
+              <a:t>libaries</a:t>
+            </a:r>
+            <a:endParaRPr lang="nl-BE" dirty="0"/>
+          </a:p>
+          <a:p>
+            <a:pPr lvl="1"/>
+            <a:r>
+              <a:rPr lang="nl-BE" dirty="0"/>
+              <a:t>Probleem met 2 tabellen te </a:t>
+            </a:r>
+            <a:r>
+              <a:rPr lang="nl-BE" dirty="0" err="1"/>
+              <a:t>joinen</a:t>
+            </a:r>
+            <a:r>
+              <a:rPr lang="nl-BE" dirty="0"/>
+              <a:t> in de API</a:t>
+            </a:r>
+          </a:p>
+          <a:p>
+            <a:r>
+              <a:rPr lang="nl-BE" dirty="0" err="1"/>
+              <a:t>React</a:t>
+            </a:r>
+            <a:r>
+              <a:rPr lang="nl-BE" dirty="0"/>
+              <a:t> Native leren nam teveel tijd in beslag </a:t>
+            </a:r>
+            <a:r>
+              <a:rPr lang="nl-BE" dirty="0">
+                <a:sym typeface="Wingdings" panose="05000000000000000000" pitchFamily="2" charset="2"/>
+              </a:rPr>
+              <a:t> Native Android app (</a:t>
+            </a:r>
+            <a:r>
+              <a:rPr lang="nl-BE" dirty="0" err="1">
+                <a:sym typeface="Wingdings" panose="05000000000000000000" pitchFamily="2" charset="2"/>
+              </a:rPr>
+              <a:t>kotlin</a:t>
+            </a:r>
+            <a:r>
+              <a:rPr lang="nl-BE" dirty="0">
+                <a:sym typeface="Wingdings" panose="05000000000000000000" pitchFamily="2" charset="2"/>
+              </a:rPr>
+              <a:t>)</a:t>
+            </a:r>
+          </a:p>
+          <a:p>
+            <a:r>
+              <a:rPr lang="nl-BE" dirty="0">
+                <a:sym typeface="Wingdings" panose="05000000000000000000" pitchFamily="2" charset="2"/>
+              </a:rPr>
+              <a:t>PCB print</a:t>
+            </a:r>
+          </a:p>
+          <a:p>
+            <a:r>
+              <a:rPr lang="nl-BE" dirty="0">
+                <a:sym typeface="Wingdings" panose="05000000000000000000" pitchFamily="2" charset="2"/>
+              </a:rPr>
+              <a:t>Nog geen kennis over </a:t>
+            </a:r>
+            <a:r>
+              <a:rPr lang="nl-BE" dirty="0" err="1">
+                <a:sym typeface="Wingdings" panose="05000000000000000000" pitchFamily="2" charset="2"/>
+              </a:rPr>
+              <a:t>zonnenpanelen</a:t>
+            </a:r>
+            <a:r>
+              <a:rPr lang="nl-BE" dirty="0">
+                <a:sym typeface="Wingdings" panose="05000000000000000000" pitchFamily="2" charset="2"/>
+              </a:rPr>
+              <a:t> + batterijen</a:t>
+            </a:r>
+          </a:p>
+          <a:p>
+            <a:r>
+              <a:rPr lang="nl-BE" dirty="0">
+                <a:sym typeface="Wingdings" panose="05000000000000000000" pitchFamily="2" charset="2"/>
+              </a:rPr>
+              <a:t>Beperkte management skills</a:t>
+            </a:r>
+          </a:p>
+          <a:p>
+            <a:endParaRPr lang="nl-BE" dirty="0">
+              <a:sym typeface="Wingdings" panose="05000000000000000000" pitchFamily="2" charset="2"/>
+            </a:endParaRPr>
+          </a:p>
+          <a:p>
+            <a:endParaRPr lang="nl-BE" dirty="0"/>
+          </a:p>
+        </p:txBody>
+      </p:sp>
+    </p:spTree>
+    <p:extLst>
+      <p:ext uri="{BB962C8B-B14F-4D97-AF65-F5344CB8AC3E}">
+        <p14:creationId xmlns:p14="http://schemas.microsoft.com/office/powerpoint/2010/main" val="4270976279"/>
+      </p:ext>
+    </p:extLst>
+  </p:cSld>
+  <p:clrMapOvr>
+    <a:masterClrMapping/>
+  </p:clrMapOvr>
+</p:sld>
+</file>
+
+<file path=ppt/slides/slide17.xml><?xml version="1.0" encoding="utf-8"?>
+<p:sld xmlns:a="http://schemas.openxmlformats.org/drawingml/2006/main" xmlns:r="http://schemas.openxmlformats.org/officeDocument/2006/relationships" xmlns:p="http://schemas.openxmlformats.org/presentationml/2006/main">
+  <p:cSld>
+    <p:spTree>
+      <p:nvGrpSpPr>
+        <p:cNvPr id="1" name=""/>
+        <p:cNvGrpSpPr/>
+        <p:nvPr/>
+      </p:nvGrpSpPr>
+      <p:grpSpPr>
+        <a:xfrm>
+          <a:off x="0" y="0"/>
+          <a:ext cx="0" cy="0"/>
+          <a:chOff x="0" y="0"/>
+          <a:chExt cx="0" cy="0"/>
+        </a:xfrm>
+      </p:grpSpPr>
+      <p:sp>
+        <p:nvSpPr>
+          <p:cNvPr id="2" name="Titel 1">
+            <a:extLst>
+              <a:ext uri="{FF2B5EF4-FFF2-40B4-BE49-F238E27FC236}">
                 <a16:creationId xmlns:a16="http://schemas.microsoft.com/office/drawing/2014/main" id="{889730DE-2854-464E-A94B-0B4722F028C0}"/>
               </a:ext>
             </a:extLst>
@@ -6647,6 +6755,10 @@
           <a:bodyPr/>
           <a:lstStyle/>
           <a:p>
+            <a:r>
+              <a:rPr lang="nl-BE" dirty="0"/>
+              <a:t>Laatste </a:t>
+            </a:r>
             <a:r>
               <a:rPr lang="nl-BE" dirty="0" err="1"/>
               <a:t>Burndown</a:t>
@@ -6685,10 +6797,10 @@
       </p:sp>
       <p:pic>
         <p:nvPicPr>
-          <p:cNvPr id="4" name="Afbeelding 3">
+          <p:cNvPr id="7" name="Afbeelding 6">
             <a:extLst>
               <a:ext uri="{FF2B5EF4-FFF2-40B4-BE49-F238E27FC236}">
-                <a16:creationId xmlns:a16="http://schemas.microsoft.com/office/drawing/2014/main" id="{BEE2D651-74A4-4E67-9388-E786F480E86F}"/>
+                <a16:creationId xmlns:a16="http://schemas.microsoft.com/office/drawing/2014/main" id="{9A889692-30A7-4BEA-B16B-AE51FD67CC37}"/>
               </a:ext>
             </a:extLst>
           </p:cNvPr>
@@ -6705,8 +6817,8 @@
         </p:blipFill>
         <p:spPr>
           <a:xfrm>
-            <a:off x="0" y="2260907"/>
-            <a:ext cx="12192000" cy="4597093"/>
+            <a:off x="0" y="2297665"/>
+            <a:ext cx="12192000" cy="4365782"/>
           </a:xfrm>
           <a:prstGeom prst="rect">
             <a:avLst/>
@@ -6726,7 +6838,7 @@
 </p:sld>
 </file>
 
-<file path=ppt/slides/slide17.xml><?xml version="1.0" encoding="utf-8"?>
+<file path=ppt/slides/slide18.xml><?xml version="1.0" encoding="utf-8"?>
 <p:sld xmlns:a="http://schemas.openxmlformats.org/drawingml/2006/main" xmlns:r="http://schemas.openxmlformats.org/officeDocument/2006/relationships" xmlns:p="http://schemas.openxmlformats.org/presentationml/2006/main">
   <p:cSld>
     <p:spTree>
@@ -6913,7 +7025,7 @@
 </p:sld>
 </file>
 
-<file path=ppt/slides/slide18.xml><?xml version="1.0" encoding="utf-8"?>
+<file path=ppt/slides/slide19.xml><?xml version="1.0" encoding="utf-8"?>
 <p:sld xmlns:a="http://schemas.openxmlformats.org/drawingml/2006/main" xmlns:r="http://schemas.openxmlformats.org/officeDocument/2006/relationships" xmlns:p="http://schemas.openxmlformats.org/presentationml/2006/main">
   <p:cSld>
     <p:spTree>
@@ -7000,101 +7112,6 @@
 </p:sld>
 </file>
 
-<file path=ppt/slides/slide19.xml><?xml version="1.0" encoding="utf-8"?>
-<p:sld xmlns:a="http://schemas.openxmlformats.org/drawingml/2006/main" xmlns:r="http://schemas.openxmlformats.org/officeDocument/2006/relationships" xmlns:p="http://schemas.openxmlformats.org/presentationml/2006/main">
-  <p:cSld>
-    <p:spTree>
-      <p:nvGrpSpPr>
-        <p:cNvPr id="1" name=""/>
-        <p:cNvGrpSpPr/>
-        <p:nvPr/>
-      </p:nvGrpSpPr>
-      <p:grpSpPr>
-        <a:xfrm>
-          <a:off x="0" y="0"/>
-          <a:ext cx="0" cy="0"/>
-          <a:chOff x="0" y="0"/>
-          <a:chExt cx="0" cy="0"/>
-        </a:xfrm>
-      </p:grpSpPr>
-      <p:sp>
-        <p:nvSpPr>
-          <p:cNvPr id="2" name="Titel 1">
-            <a:extLst>
-              <a:ext uri="{FF2B5EF4-FFF2-40B4-BE49-F238E27FC236}">
-                <a16:creationId xmlns:a16="http://schemas.microsoft.com/office/drawing/2014/main" id="{C758FDD2-3166-4C4D-8955-9BFFEDB4E814}"/>
-              </a:ext>
-            </a:extLst>
-          </p:cNvPr>
-          <p:cNvSpPr>
-            <a:spLocks noGrp="1"/>
-          </p:cNvSpPr>
-          <p:nvPr>
-            <p:ph type="title"/>
-          </p:nvPr>
-        </p:nvSpPr>
-        <p:spPr/>
-        <p:txBody>
-          <a:bodyPr/>
-          <a:lstStyle/>
-          <a:p>
-            <a:r>
-              <a:rPr lang="nl-BE" dirty="0"/>
-              <a:t>Analyse: </a:t>
-            </a:r>
-            <a:r>
-              <a:rPr lang="nl-BE" dirty="0" err="1"/>
-              <a:t>enabelen</a:t>
-            </a:r>
-            <a:r>
-              <a:rPr lang="nl-BE" dirty="0"/>
-              <a:t> en disabelen</a:t>
-            </a:r>
-          </a:p>
-        </p:txBody>
-      </p:sp>
-      <p:pic>
-        <p:nvPicPr>
-          <p:cNvPr id="5" name="Tijdelijke aanduiding voor inhoud 4">
-            <a:extLst>
-              <a:ext uri="{FF2B5EF4-FFF2-40B4-BE49-F238E27FC236}">
-                <a16:creationId xmlns:a16="http://schemas.microsoft.com/office/drawing/2014/main" id="{D028F4B3-E87E-4555-A661-39D1F5D5E3DF}"/>
-              </a:ext>
-            </a:extLst>
-          </p:cNvPr>
-          <p:cNvPicPr>
-            <a:picLocks noGrp="1" noChangeAspect="1"/>
-          </p:cNvPicPr>
-          <p:nvPr>
-            <p:ph idx="1"/>
-          </p:nvPr>
-        </p:nvPicPr>
-        <p:blipFill>
-          <a:blip r:embed="rId2"/>
-          <a:stretch>
-            <a:fillRect/>
-          </a:stretch>
-        </p:blipFill>
-        <p:spPr>
-          <a:xfrm>
-            <a:off x="0" y="2647729"/>
-            <a:ext cx="12200311" cy="3763083"/>
-          </a:xfrm>
-        </p:spPr>
-      </p:pic>
-    </p:spTree>
-    <p:extLst>
-      <p:ext uri="{BB962C8B-B14F-4D97-AF65-F5344CB8AC3E}">
-        <p14:creationId xmlns:p14="http://schemas.microsoft.com/office/powerpoint/2010/main" val="3304224356"/>
-      </p:ext>
-    </p:extLst>
-  </p:cSld>
-  <p:clrMapOvr>
-    <a:masterClrMapping/>
-  </p:clrMapOvr>
-</p:sld>
-</file>
-
 <file path=ppt/slides/slide2.xml><?xml version="1.0" encoding="utf-8"?>
 <p:sld xmlns:a="http://schemas.openxmlformats.org/drawingml/2006/main" xmlns:r="http://schemas.openxmlformats.org/officeDocument/2006/relationships" xmlns:p="http://schemas.openxmlformats.org/presentationml/2006/main">
   <p:cSld>
@@ -7158,30 +7175,94 @@
         </p:nvSpPr>
         <p:spPr/>
         <p:txBody>
-          <a:bodyPr/>
+          <a:bodyPr>
+            <a:normAutofit lnSpcReduction="10000"/>
+          </a:bodyPr>
           <a:lstStyle/>
           <a:p>
             <a:r>
               <a:rPr lang="nl-BE" dirty="0"/>
-              <a:t>Foto pakken met afstandsbediening</a:t>
+              <a:t>Setup </a:t>
             </a:r>
           </a:p>
           <a:p>
             <a:r>
               <a:rPr lang="nl-BE" dirty="0"/>
-              <a:t>Foto pakken met applicatie</a:t>
+              <a:t>Website foto’s bekijken</a:t>
+            </a:r>
+          </a:p>
+          <a:p>
+            <a:r>
+              <a:rPr lang="nl-BE" dirty="0"/>
+              <a:t>Website foto maken</a:t>
+            </a:r>
+          </a:p>
+          <a:p>
+            <a:r>
+              <a:rPr lang="nl-BE" dirty="0"/>
+              <a:t>Website foto’s deleten</a:t>
+            </a:r>
+          </a:p>
+          <a:p>
+            <a:r>
+              <a:rPr lang="nl-BE" dirty="0"/>
+              <a:t>Website </a:t>
+            </a:r>
+            <a:r>
+              <a:rPr lang="nl-BE" dirty="0" err="1"/>
+              <a:t>enable</a:t>
+            </a:r>
+            <a:r>
+              <a:rPr lang="nl-BE" dirty="0"/>
+              <a:t>/</a:t>
+            </a:r>
+            <a:r>
+              <a:rPr lang="nl-BE" dirty="0" err="1"/>
+              <a:t>disable</a:t>
+            </a:r>
+            <a:r>
+              <a:rPr lang="nl-BE" dirty="0"/>
+              <a:t> </a:t>
+            </a:r>
+          </a:p>
+          <a:p>
+            <a:r>
+              <a:rPr lang="nl-BE" dirty="0"/>
+              <a:t>Afstandsbediening foto pakken</a:t>
+            </a:r>
+          </a:p>
+          <a:p>
+            <a:r>
+              <a:rPr lang="nl-BE" dirty="0"/>
+              <a:t>Afstandsbediening </a:t>
+            </a:r>
+            <a:r>
+              <a:rPr lang="nl-BE" dirty="0" err="1"/>
+              <a:t>enable</a:t>
+            </a:r>
+            <a:r>
+              <a:rPr lang="nl-BE" dirty="0"/>
+              <a:t>/</a:t>
+            </a:r>
+            <a:r>
+              <a:rPr lang="nl-BE" dirty="0" err="1"/>
+              <a:t>disable</a:t>
+            </a:r>
+            <a:r>
+              <a:rPr lang="nl-BE" dirty="0"/>
+              <a:t> </a:t>
+            </a:r>
+          </a:p>
+          <a:p>
+            <a:r>
+              <a:rPr lang="nl-BE" dirty="0"/>
+              <a:t>Applicatie foto’s maken</a:t>
             </a:r>
           </a:p>
           <a:p>
             <a:r>
               <a:rPr lang="nl-BE" dirty="0"/>
               <a:t>Applicatie foto’s bekijken</a:t>
-            </a:r>
-          </a:p>
-          <a:p>
-            <a:r>
-              <a:rPr lang="nl-BE" dirty="0"/>
-              <a:t>Website foto’s bekijken</a:t>
             </a:r>
           </a:p>
           <a:p>
@@ -7227,7 +7308,7 @@
           <p:cNvPr id="2" name="Titel 1">
             <a:extLst>
               <a:ext uri="{FF2B5EF4-FFF2-40B4-BE49-F238E27FC236}">
-                <a16:creationId xmlns:a16="http://schemas.microsoft.com/office/drawing/2014/main" id="{3A5405A0-3E6E-4935-AA9B-73FB0991B8B1}"/>
+                <a16:creationId xmlns:a16="http://schemas.microsoft.com/office/drawing/2014/main" id="{C758FDD2-3166-4C4D-8955-9BFFEDB4E814}"/>
               </a:ext>
             </a:extLst>
           </p:cNvPr>
@@ -7245,17 +7326,25 @@
           <a:p>
             <a:r>
               <a:rPr lang="nl-BE" dirty="0"/>
-              <a:t>Analyse: Database</a:t>
+              <a:t>Analyse: </a:t>
+            </a:r>
+            <a:r>
+              <a:rPr lang="nl-BE" dirty="0" err="1"/>
+              <a:t>enabelen</a:t>
+            </a:r>
+            <a:r>
+              <a:rPr lang="nl-BE" dirty="0"/>
+              <a:t> en disabelen</a:t>
             </a:r>
           </a:p>
         </p:txBody>
       </p:sp>
       <p:pic>
         <p:nvPicPr>
-          <p:cNvPr id="9" name="Tijdelijke aanduiding voor inhoud 8">
+          <p:cNvPr id="5" name="Tijdelijke aanduiding voor inhoud 4">
             <a:extLst>
               <a:ext uri="{FF2B5EF4-FFF2-40B4-BE49-F238E27FC236}">
-                <a16:creationId xmlns:a16="http://schemas.microsoft.com/office/drawing/2014/main" id="{4CE112C0-384C-475A-86C1-69904FC9033B}"/>
+                <a16:creationId xmlns:a16="http://schemas.microsoft.com/office/drawing/2014/main" id="{D028F4B3-E87E-4555-A661-39D1F5D5E3DF}"/>
               </a:ext>
             </a:extLst>
           </p:cNvPr>
@@ -7274,50 +7363,15 @@
         </p:blipFill>
         <p:spPr>
           <a:xfrm>
-            <a:off x="1989306" y="2348689"/>
-            <a:ext cx="8213387" cy="4509311"/>
+            <a:off x="0" y="2647729"/>
+            <a:ext cx="12200311" cy="3763083"/>
           </a:xfrm>
         </p:spPr>
       </p:pic>
-      <p:sp>
-        <p:nvSpPr>
-          <p:cNvPr id="12" name="Tekstvak 11">
-            <a:extLst>
-              <a:ext uri="{FF2B5EF4-FFF2-40B4-BE49-F238E27FC236}">
-                <a16:creationId xmlns:a16="http://schemas.microsoft.com/office/drawing/2014/main" id="{B2F41C9C-E585-4FBB-BE73-3C0888C84F05}"/>
-              </a:ext>
-            </a:extLst>
-          </p:cNvPr>
-          <p:cNvSpPr txBox="1"/>
-          <p:nvPr/>
-        </p:nvSpPr>
-        <p:spPr>
-          <a:xfrm>
-            <a:off x="1217941" y="2348689"/>
-            <a:ext cx="771365" cy="369332"/>
-          </a:xfrm>
-          <a:prstGeom prst="rect">
-            <a:avLst/>
-          </a:prstGeom>
-          <a:noFill/>
-        </p:spPr>
-        <p:txBody>
-          <a:bodyPr wrap="none" rtlCol="0">
-            <a:spAutoFit/>
-          </a:bodyPr>
-          <a:lstStyle/>
-          <a:p>
-            <a:r>
-              <a:rPr lang="nl-BE" dirty="0"/>
-              <a:t>OUD:</a:t>
-            </a:r>
-          </a:p>
-        </p:txBody>
-      </p:sp>
     </p:spTree>
     <p:extLst>
       <p:ext uri="{BB962C8B-B14F-4D97-AF65-F5344CB8AC3E}">
-        <p14:creationId xmlns:p14="http://schemas.microsoft.com/office/powerpoint/2010/main" val="118631540"/>
+        <p14:creationId xmlns:p14="http://schemas.microsoft.com/office/powerpoint/2010/main" val="3304224356"/>
       </p:ext>
     </p:extLst>
   </p:cSld>
@@ -7349,7 +7403,7 @@
           <p:cNvPr id="2" name="Titel 1">
             <a:extLst>
               <a:ext uri="{FF2B5EF4-FFF2-40B4-BE49-F238E27FC236}">
-                <a16:creationId xmlns:a16="http://schemas.microsoft.com/office/drawing/2014/main" id="{530F61D0-2589-4092-846E-5DE534673D10}"/>
+                <a16:creationId xmlns:a16="http://schemas.microsoft.com/office/drawing/2014/main" id="{3A5405A0-3E6E-4935-AA9B-73FB0991B8B1}"/>
               </a:ext>
             </a:extLst>
           </p:cNvPr>
@@ -7372,44 +7426,21 @@
           </a:p>
         </p:txBody>
       </p:sp>
-      <p:sp>
-        <p:nvSpPr>
-          <p:cNvPr id="3" name="Tijdelijke aanduiding voor inhoud 2">
+      <p:pic>
+        <p:nvPicPr>
+          <p:cNvPr id="9" name="Tijdelijke aanduiding voor inhoud 8">
             <a:extLst>
               <a:ext uri="{FF2B5EF4-FFF2-40B4-BE49-F238E27FC236}">
-                <a16:creationId xmlns:a16="http://schemas.microsoft.com/office/drawing/2014/main" id="{39B01F9E-3470-435D-98E0-9847CB189BEA}"/>
-              </a:ext>
-            </a:extLst>
-          </p:cNvPr>
-          <p:cNvSpPr>
-            <a:spLocks noGrp="1"/>
-          </p:cNvSpPr>
-          <p:nvPr>
-            <p:ph idx="1"/>
-          </p:nvPr>
-        </p:nvSpPr>
-        <p:spPr/>
-        <p:txBody>
-          <a:bodyPr/>
-          <a:lstStyle/>
-          <a:p>
-            <a:endParaRPr lang="nl-BE"/>
-          </a:p>
-        </p:txBody>
-      </p:sp>
-      <p:pic>
-        <p:nvPicPr>
-          <p:cNvPr id="4" name="Afbeelding 3">
-            <a:extLst>
-              <a:ext uri="{FF2B5EF4-FFF2-40B4-BE49-F238E27FC236}">
-                <a16:creationId xmlns:a16="http://schemas.microsoft.com/office/drawing/2014/main" id="{C8DA514A-B56E-4E12-80B6-208165EA3467}"/>
+                <a16:creationId xmlns:a16="http://schemas.microsoft.com/office/drawing/2014/main" id="{4CE112C0-384C-475A-86C1-69904FC9033B}"/>
               </a:ext>
             </a:extLst>
           </p:cNvPr>
           <p:cNvPicPr>
-            <a:picLocks noChangeAspect="1"/>
+            <a:picLocks noGrp="1" noChangeAspect="1"/>
           </p:cNvPicPr>
-          <p:nvPr/>
+          <p:nvPr>
+            <p:ph idx="1"/>
+          </p:nvPr>
         </p:nvPicPr>
         <p:blipFill>
           <a:blip r:embed="rId2"/>
@@ -7419,20 +7450,17 @@
         </p:blipFill>
         <p:spPr>
           <a:xfrm>
-            <a:off x="1905128" y="2222287"/>
-            <a:ext cx="8381742" cy="4635713"/>
+            <a:off x="1989306" y="2348689"/>
+            <a:ext cx="8213387" cy="4509311"/>
           </a:xfrm>
-          <a:prstGeom prst="rect">
-            <a:avLst/>
-          </a:prstGeom>
         </p:spPr>
       </p:pic>
       <p:sp>
         <p:nvSpPr>
-          <p:cNvPr id="5" name="Tekstvak 4">
+          <p:cNvPr id="12" name="Tekstvak 11">
             <a:extLst>
               <a:ext uri="{FF2B5EF4-FFF2-40B4-BE49-F238E27FC236}">
-                <a16:creationId xmlns:a16="http://schemas.microsoft.com/office/drawing/2014/main" id="{B01B3441-4DAC-433A-9783-CD33C335270B}"/>
+                <a16:creationId xmlns:a16="http://schemas.microsoft.com/office/drawing/2014/main" id="{B2F41C9C-E585-4FBB-BE73-3C0888C84F05}"/>
               </a:ext>
             </a:extLst>
           </p:cNvPr>
@@ -7441,8 +7469,8 @@
         </p:nvSpPr>
         <p:spPr>
           <a:xfrm>
-            <a:off x="936593" y="2222287"/>
-            <a:ext cx="968535" cy="369332"/>
+            <a:off x="1217941" y="2348689"/>
+            <a:ext cx="771365" cy="369332"/>
           </a:xfrm>
           <a:prstGeom prst="rect">
             <a:avLst/>
@@ -7457,7 +7485,7 @@
           <a:p>
             <a:r>
               <a:rPr lang="nl-BE" dirty="0"/>
-              <a:t>NIEUW:</a:t>
+              <a:t>OUD:</a:t>
             </a:r>
           </a:p>
         </p:txBody>
@@ -7465,7 +7493,7 @@
     </p:spTree>
     <p:extLst>
       <p:ext uri="{BB962C8B-B14F-4D97-AF65-F5344CB8AC3E}">
-        <p14:creationId xmlns:p14="http://schemas.microsoft.com/office/powerpoint/2010/main" val="4165732051"/>
+        <p14:creationId xmlns:p14="http://schemas.microsoft.com/office/powerpoint/2010/main" val="118631540"/>
       </p:ext>
     </p:extLst>
   </p:cSld>
@@ -7497,7 +7525,7 @@
           <p:cNvPr id="2" name="Titel 1">
             <a:extLst>
               <a:ext uri="{FF2B5EF4-FFF2-40B4-BE49-F238E27FC236}">
-                <a16:creationId xmlns:a16="http://schemas.microsoft.com/office/drawing/2014/main" id="{1F825602-2BE4-41B8-8A3F-4B6F808FAB24}"/>
+                <a16:creationId xmlns:a16="http://schemas.microsoft.com/office/drawing/2014/main" id="{530F61D0-2589-4092-846E-5DE534673D10}"/>
               </a:ext>
             </a:extLst>
           </p:cNvPr>
@@ -7515,26 +7543,49 @@
           <a:p>
             <a:r>
               <a:rPr lang="nl-BE" dirty="0"/>
-              <a:t>Huidig Schema</a:t>
-            </a:r>
+              <a:t>Analyse: Database</a:t>
+            </a:r>
+          </a:p>
+        </p:txBody>
+      </p:sp>
+      <p:sp>
+        <p:nvSpPr>
+          <p:cNvPr id="3" name="Tijdelijke aanduiding voor inhoud 2">
+            <a:extLst>
+              <a:ext uri="{FF2B5EF4-FFF2-40B4-BE49-F238E27FC236}">
+                <a16:creationId xmlns:a16="http://schemas.microsoft.com/office/drawing/2014/main" id="{39B01F9E-3470-435D-98E0-9847CB189BEA}"/>
+              </a:ext>
+            </a:extLst>
+          </p:cNvPr>
+          <p:cNvSpPr>
+            <a:spLocks noGrp="1"/>
+          </p:cNvSpPr>
+          <p:nvPr>
+            <p:ph idx="1"/>
+          </p:nvPr>
+        </p:nvSpPr>
+        <p:spPr/>
+        <p:txBody>
+          <a:bodyPr/>
+          <a:lstStyle/>
+          <a:p>
+            <a:endParaRPr lang="nl-BE" dirty="0"/>
           </a:p>
         </p:txBody>
       </p:sp>
       <p:pic>
         <p:nvPicPr>
-          <p:cNvPr id="10" name="Tijdelijke aanduiding voor inhoud 9">
+          <p:cNvPr id="4" name="Afbeelding 3">
             <a:extLst>
               <a:ext uri="{FF2B5EF4-FFF2-40B4-BE49-F238E27FC236}">
-                <a16:creationId xmlns:a16="http://schemas.microsoft.com/office/drawing/2014/main" id="{A65C94D3-54EB-4CF0-BBE8-A5768E78A096}"/>
+                <a16:creationId xmlns:a16="http://schemas.microsoft.com/office/drawing/2014/main" id="{C8DA514A-B56E-4E12-80B6-208165EA3467}"/>
               </a:ext>
             </a:extLst>
           </p:cNvPr>
           <p:cNvPicPr>
-            <a:picLocks noGrp="1" noChangeAspect="1"/>
+            <a:picLocks noChangeAspect="1"/>
           </p:cNvPicPr>
-          <p:nvPr>
-            <p:ph idx="1"/>
-          </p:nvPr>
+          <p:nvPr/>
         </p:nvPicPr>
         <p:blipFill>
           <a:blip r:embed="rId2"/>
@@ -7544,15 +7595,429 @@
         </p:blipFill>
         <p:spPr>
           <a:xfrm>
-            <a:off x="1111553" y="2386163"/>
-            <a:ext cx="9968894" cy="3917643"/>
+            <a:off x="810000" y="2222287"/>
+            <a:ext cx="8381742" cy="4635713"/>
           </a:xfrm>
+          <a:prstGeom prst="rect">
+            <a:avLst/>
+          </a:prstGeom>
         </p:spPr>
       </p:pic>
+      <p:sp>
+        <p:nvSpPr>
+          <p:cNvPr id="5" name="Tekstvak 4">
+            <a:extLst>
+              <a:ext uri="{FF2B5EF4-FFF2-40B4-BE49-F238E27FC236}">
+                <a16:creationId xmlns:a16="http://schemas.microsoft.com/office/drawing/2014/main" id="{B01B3441-4DAC-433A-9783-CD33C335270B}"/>
+              </a:ext>
+            </a:extLst>
+          </p:cNvPr>
+          <p:cNvSpPr txBox="1"/>
+          <p:nvPr/>
+        </p:nvSpPr>
+        <p:spPr>
+          <a:xfrm>
+            <a:off x="936593" y="2222287"/>
+            <a:ext cx="968535" cy="369332"/>
+          </a:xfrm>
+          <a:prstGeom prst="rect">
+            <a:avLst/>
+          </a:prstGeom>
+          <a:noFill/>
+        </p:spPr>
+        <p:txBody>
+          <a:bodyPr wrap="none" rtlCol="0">
+            <a:spAutoFit/>
+          </a:bodyPr>
+          <a:lstStyle/>
+          <a:p>
+            <a:r>
+              <a:rPr lang="nl-BE" dirty="0"/>
+              <a:t>NIEUW:</a:t>
+            </a:r>
+          </a:p>
+        </p:txBody>
+      </p:sp>
+      <p:sp>
+        <p:nvSpPr>
+          <p:cNvPr id="6" name="Tekstvak 5">
+            <a:extLst>
+              <a:ext uri="{FF2B5EF4-FFF2-40B4-BE49-F238E27FC236}">
+                <a16:creationId xmlns:a16="http://schemas.microsoft.com/office/drawing/2014/main" id="{7EBC23A5-4E7C-43EF-82E5-EC71630251D0}"/>
+              </a:ext>
+            </a:extLst>
+          </p:cNvPr>
+          <p:cNvSpPr txBox="1"/>
+          <p:nvPr/>
+        </p:nvSpPr>
+        <p:spPr>
+          <a:xfrm>
+            <a:off x="936593" y="6004456"/>
+            <a:ext cx="2210540" cy="707886"/>
+          </a:xfrm>
+          <a:prstGeom prst="rect">
+            <a:avLst/>
+          </a:prstGeom>
+          <a:solidFill>
+            <a:schemeClr val="bg1">
+              <a:lumMod val="85000"/>
+              <a:lumOff val="15000"/>
+            </a:schemeClr>
+          </a:solidFill>
+          <a:ln>
+            <a:solidFill>
+              <a:schemeClr val="tx1"/>
+            </a:solidFill>
+          </a:ln>
+        </p:spPr>
+        <p:txBody>
+          <a:bodyPr wrap="square" rtlCol="0">
+            <a:spAutoFit/>
+          </a:bodyPr>
+          <a:lstStyle/>
+          <a:p>
+            <a:r>
+              <a:rPr lang="nl-BE" sz="1000" dirty="0" err="1"/>
+              <a:t>CameraId</a:t>
+            </a:r>
+            <a:r>
+              <a:rPr lang="nl-BE" sz="1000" dirty="0"/>
+              <a:t> </a:t>
+            </a:r>
+            <a:r>
+              <a:rPr lang="nl-BE" sz="1000" dirty="0" err="1"/>
+              <a:t>uniqueidentifier</a:t>
+            </a:r>
+            <a:r>
+              <a:rPr lang="nl-BE" sz="1000" dirty="0"/>
+              <a:t> PK</a:t>
+            </a:r>
+          </a:p>
+          <a:p>
+            <a:r>
+              <a:rPr lang="nl-BE" sz="1000" dirty="0"/>
+              <a:t>----------------------------------------</a:t>
+            </a:r>
+          </a:p>
+          <a:p>
+            <a:r>
+              <a:rPr lang="nl-BE" sz="1000" dirty="0" err="1"/>
+              <a:t>LokaalId</a:t>
+            </a:r>
+            <a:r>
+              <a:rPr lang="nl-BE" sz="1000" dirty="0"/>
+              <a:t>     </a:t>
+            </a:r>
+            <a:r>
+              <a:rPr lang="nl-BE" sz="1000" dirty="0" err="1"/>
+              <a:t>uniqueidentifier</a:t>
+            </a:r>
+            <a:r>
+              <a:rPr lang="nl-BE" sz="1000" dirty="0"/>
+              <a:t> FK</a:t>
+            </a:r>
+          </a:p>
+          <a:p>
+            <a:r>
+              <a:rPr lang="nl-BE" sz="1000" dirty="0" err="1"/>
+              <a:t>Enabled</a:t>
+            </a:r>
+            <a:r>
+              <a:rPr lang="nl-BE" sz="1000" dirty="0"/>
+              <a:t>     </a:t>
+            </a:r>
+            <a:r>
+              <a:rPr lang="nl-BE" sz="1000" dirty="0" err="1"/>
+              <a:t>bool</a:t>
+            </a:r>
+            <a:endParaRPr lang="nl-BE" sz="1000" dirty="0"/>
+          </a:p>
+        </p:txBody>
+      </p:sp>
+      <p:sp>
+        <p:nvSpPr>
+          <p:cNvPr id="7" name="Tekstvak 6">
+            <a:extLst>
+              <a:ext uri="{FF2B5EF4-FFF2-40B4-BE49-F238E27FC236}">
+                <a16:creationId xmlns:a16="http://schemas.microsoft.com/office/drawing/2014/main" id="{F05FAC6F-601A-4BFA-ABC4-30E3BA2AE052}"/>
+              </a:ext>
+            </a:extLst>
+          </p:cNvPr>
+          <p:cNvSpPr txBox="1"/>
+          <p:nvPr/>
+        </p:nvSpPr>
+        <p:spPr>
+          <a:xfrm>
+            <a:off x="937026" y="5735687"/>
+            <a:ext cx="707245" cy="246221"/>
+          </a:xfrm>
+          <a:prstGeom prst="rect">
+            <a:avLst/>
+          </a:prstGeom>
+          <a:noFill/>
+        </p:spPr>
+        <p:txBody>
+          <a:bodyPr wrap="none" rtlCol="0">
+            <a:spAutoFit/>
+          </a:bodyPr>
+          <a:lstStyle/>
+          <a:p>
+            <a:r>
+              <a:rPr lang="nl-BE" sz="1000" dirty="0"/>
+              <a:t>Camera</a:t>
+            </a:r>
+          </a:p>
+        </p:txBody>
+      </p:sp>
+      <p:sp>
+        <p:nvSpPr>
+          <p:cNvPr id="8" name="Tekstvak 7">
+            <a:extLst>
+              <a:ext uri="{FF2B5EF4-FFF2-40B4-BE49-F238E27FC236}">
+                <a16:creationId xmlns:a16="http://schemas.microsoft.com/office/drawing/2014/main" id="{87B803AA-65ED-40E6-903C-6FADCB7BC2CA}"/>
+              </a:ext>
+            </a:extLst>
+          </p:cNvPr>
+          <p:cNvSpPr txBox="1"/>
+          <p:nvPr/>
+        </p:nvSpPr>
+        <p:spPr>
+          <a:xfrm>
+            <a:off x="810000" y="4266382"/>
+            <a:ext cx="1571264" cy="215444"/>
+          </a:xfrm>
+          <a:prstGeom prst="rect">
+            <a:avLst/>
+          </a:prstGeom>
+          <a:noFill/>
+        </p:spPr>
+        <p:txBody>
+          <a:bodyPr wrap="none" rtlCol="0">
+            <a:spAutoFit/>
+          </a:bodyPr>
+          <a:lstStyle/>
+          <a:p>
+            <a:r>
+              <a:rPr lang="nl-BE" sz="800" dirty="0" err="1"/>
+              <a:t>CameraId</a:t>
+            </a:r>
+            <a:r>
+              <a:rPr lang="nl-BE" sz="800" dirty="0"/>
+              <a:t> </a:t>
+            </a:r>
+            <a:r>
+              <a:rPr lang="nl-BE" sz="800" dirty="0" err="1"/>
+              <a:t>uniquedintifier</a:t>
+            </a:r>
+            <a:r>
+              <a:rPr lang="nl-BE" sz="800" dirty="0"/>
+              <a:t> FK</a:t>
+            </a:r>
+          </a:p>
+        </p:txBody>
+      </p:sp>
+      <p:cxnSp>
+        <p:nvCxnSpPr>
+          <p:cNvPr id="10" name="Rechte verbindingslijn met pijl 9">
+            <a:extLst>
+              <a:ext uri="{FF2B5EF4-FFF2-40B4-BE49-F238E27FC236}">
+                <a16:creationId xmlns:a16="http://schemas.microsoft.com/office/drawing/2014/main" id="{F4EB9CA1-0B8D-4D2C-9D57-0F9A69B83BBC}"/>
+              </a:ext>
+            </a:extLst>
+          </p:cNvPr>
+          <p:cNvCxnSpPr/>
+          <p:nvPr/>
+        </p:nvCxnSpPr>
+        <p:spPr>
+          <a:xfrm>
+            <a:off x="2290439" y="5610687"/>
+            <a:ext cx="0" cy="248110"/>
+          </a:xfrm>
+          <a:prstGeom prst="straightConnector1">
+            <a:avLst/>
+          </a:prstGeom>
+          <a:ln w="9525" cap="flat" cmpd="sng" algn="ctr">
+            <a:solidFill>
+              <a:schemeClr val="tx1"/>
+            </a:solidFill>
+            <a:prstDash val="dash"/>
+            <a:round/>
+            <a:headEnd type="none" w="med" len="med"/>
+            <a:tailEnd type="none" w="med" len="med"/>
+          </a:ln>
+        </p:spPr>
+        <p:style>
+          <a:lnRef idx="0">
+            <a:scrgbClr r="0" g="0" b="0"/>
+          </a:lnRef>
+          <a:fillRef idx="0">
+            <a:scrgbClr r="0" g="0" b="0"/>
+          </a:fillRef>
+          <a:effectRef idx="0">
+            <a:scrgbClr r="0" g="0" b="0"/>
+          </a:effectRef>
+          <a:fontRef idx="minor">
+            <a:schemeClr val="tx1"/>
+          </a:fontRef>
+        </p:style>
+      </p:cxnSp>
+      <p:cxnSp>
+        <p:nvCxnSpPr>
+          <p:cNvPr id="12" name="Rechte verbindingslijn met pijl 11">
+            <a:extLst>
+              <a:ext uri="{FF2B5EF4-FFF2-40B4-BE49-F238E27FC236}">
+                <a16:creationId xmlns:a16="http://schemas.microsoft.com/office/drawing/2014/main" id="{EA5C93F1-1B1F-44F4-A6C2-0A4A12629A22}"/>
+              </a:ext>
+            </a:extLst>
+          </p:cNvPr>
+          <p:cNvCxnSpPr/>
+          <p:nvPr/>
+        </p:nvCxnSpPr>
+        <p:spPr>
+          <a:xfrm flipV="1">
+            <a:off x="1731146" y="4540143"/>
+            <a:ext cx="0" cy="1318654"/>
+          </a:xfrm>
+          <a:prstGeom prst="straightConnector1">
+            <a:avLst/>
+          </a:prstGeom>
+          <a:ln w="9525" cap="flat" cmpd="sng" algn="ctr">
+            <a:solidFill>
+              <a:schemeClr val="tx1"/>
+            </a:solidFill>
+            <a:prstDash val="dash"/>
+            <a:round/>
+            <a:headEnd type="none" w="med" len="med"/>
+            <a:tailEnd type="none" w="med" len="med"/>
+          </a:ln>
+        </p:spPr>
+        <p:style>
+          <a:lnRef idx="0">
+            <a:scrgbClr r="0" g="0" b="0"/>
+          </a:lnRef>
+          <a:fillRef idx="0">
+            <a:scrgbClr r="0" g="0" b="0"/>
+          </a:fillRef>
+          <a:effectRef idx="0">
+            <a:scrgbClr r="0" g="0" b="0"/>
+          </a:effectRef>
+          <a:fontRef idx="minor">
+            <a:schemeClr val="tx1"/>
+          </a:fontRef>
+        </p:style>
+      </p:cxnSp>
+      <p:sp>
+        <p:nvSpPr>
+          <p:cNvPr id="13" name="Ovaal 12">
+            <a:extLst>
+              <a:ext uri="{FF2B5EF4-FFF2-40B4-BE49-F238E27FC236}">
+                <a16:creationId xmlns:a16="http://schemas.microsoft.com/office/drawing/2014/main" id="{29130401-AF19-411E-88E7-E69928E8EACF}"/>
+              </a:ext>
+            </a:extLst>
+          </p:cNvPr>
+          <p:cNvSpPr/>
+          <p:nvPr/>
+        </p:nvSpPr>
+        <p:spPr>
+          <a:xfrm>
+            <a:off x="2245043" y="5836249"/>
+            <a:ext cx="90791" cy="84103"/>
+          </a:xfrm>
+          <a:prstGeom prst="ellipse">
+            <a:avLst/>
+          </a:prstGeom>
+          <a:solidFill>
+            <a:schemeClr val="tx1"/>
+          </a:solidFill>
+          <a:ln>
+            <a:solidFill>
+              <a:schemeClr val="tx1"/>
+            </a:solidFill>
+          </a:ln>
+        </p:spPr>
+        <p:style>
+          <a:lnRef idx="2">
+            <a:schemeClr val="accent1">
+              <a:shade val="50000"/>
+            </a:schemeClr>
+          </a:lnRef>
+          <a:fillRef idx="1">
+            <a:schemeClr val="accent1"/>
+          </a:fillRef>
+          <a:effectRef idx="0">
+            <a:schemeClr val="accent1"/>
+          </a:effectRef>
+          <a:fontRef idx="minor">
+            <a:schemeClr val="lt1"/>
+          </a:fontRef>
+        </p:style>
+        <p:txBody>
+          <a:bodyPr rtlCol="0" anchor="ctr"/>
+          <a:lstStyle/>
+          <a:p>
+            <a:pPr algn="ctr"/>
+            <a:endParaRPr lang="nl-BE"/>
+          </a:p>
+        </p:txBody>
+      </p:sp>
+      <p:sp>
+        <p:nvSpPr>
+          <p:cNvPr id="14" name="Ovaal 13">
+            <a:extLst>
+              <a:ext uri="{FF2B5EF4-FFF2-40B4-BE49-F238E27FC236}">
+                <a16:creationId xmlns:a16="http://schemas.microsoft.com/office/drawing/2014/main" id="{8D970FE4-AC84-45DE-B25D-905D281BC0CA}"/>
+              </a:ext>
+            </a:extLst>
+          </p:cNvPr>
+          <p:cNvSpPr/>
+          <p:nvPr/>
+        </p:nvSpPr>
+        <p:spPr>
+          <a:xfrm>
+            <a:off x="1685750" y="4498090"/>
+            <a:ext cx="90791" cy="84103"/>
+          </a:xfrm>
+          <a:prstGeom prst="ellipse">
+            <a:avLst/>
+          </a:prstGeom>
+          <a:solidFill>
+            <a:schemeClr val="tx1"/>
+          </a:solidFill>
+          <a:ln>
+            <a:solidFill>
+              <a:schemeClr val="tx1"/>
+            </a:solidFill>
+          </a:ln>
+        </p:spPr>
+        <p:style>
+          <a:lnRef idx="2">
+            <a:schemeClr val="accent1">
+              <a:shade val="50000"/>
+            </a:schemeClr>
+          </a:lnRef>
+          <a:fillRef idx="1">
+            <a:schemeClr val="accent1"/>
+          </a:fillRef>
+          <a:effectRef idx="0">
+            <a:schemeClr val="accent1"/>
+          </a:effectRef>
+          <a:fontRef idx="minor">
+            <a:schemeClr val="lt1"/>
+          </a:fontRef>
+        </p:style>
+        <p:txBody>
+          <a:bodyPr rtlCol="0" anchor="ctr"/>
+          <a:lstStyle/>
+          <a:p>
+            <a:pPr algn="ctr"/>
+            <a:endParaRPr lang="nl-BE"/>
+          </a:p>
+        </p:txBody>
+      </p:sp>
     </p:spTree>
     <p:extLst>
       <p:ext uri="{BB962C8B-B14F-4D97-AF65-F5344CB8AC3E}">
-        <p14:creationId xmlns:p14="http://schemas.microsoft.com/office/powerpoint/2010/main" val="3634429808"/>
+        <p14:creationId xmlns:p14="http://schemas.microsoft.com/office/powerpoint/2010/main" val="4165732051"/>
       </p:ext>
     </p:extLst>
   </p:cSld>
@@ -7584,7 +8049,7 @@
           <p:cNvPr id="2" name="Titel 1">
             <a:extLst>
               <a:ext uri="{FF2B5EF4-FFF2-40B4-BE49-F238E27FC236}">
-                <a16:creationId xmlns:a16="http://schemas.microsoft.com/office/drawing/2014/main" id="{C7D04D60-4C9D-4CB9-AF38-2312E5879ACA}"/>
+                <a16:creationId xmlns:a16="http://schemas.microsoft.com/office/drawing/2014/main" id="{1F825602-2BE4-41B8-8A3F-4B6F808FAB24}"/>
               </a:ext>
             </a:extLst>
           </p:cNvPr>
@@ -7602,42 +8067,104 @@
           <a:p>
             <a:r>
               <a:rPr lang="nl-BE" dirty="0"/>
-              <a:t>Planning</a:t>
-            </a:r>
-          </a:p>
-        </p:txBody>
-      </p:sp>
-      <p:sp>
-        <p:nvSpPr>
-          <p:cNvPr id="3" name="Tijdelijke aanduiding voor inhoud 2">
+              <a:t>Huidig Schema</a:t>
+            </a:r>
+          </a:p>
+        </p:txBody>
+      </p:sp>
+      <p:pic>
+        <p:nvPicPr>
+          <p:cNvPr id="10" name="Tijdelijke aanduiding voor inhoud 9">
             <a:extLst>
               <a:ext uri="{FF2B5EF4-FFF2-40B4-BE49-F238E27FC236}">
-                <a16:creationId xmlns:a16="http://schemas.microsoft.com/office/drawing/2014/main" id="{64032EE0-D1AE-4C5E-844B-C5EBF44103C8}"/>
+                <a16:creationId xmlns:a16="http://schemas.microsoft.com/office/drawing/2014/main" id="{A65C94D3-54EB-4CF0-BBE8-A5768E78A096}"/>
               </a:ext>
             </a:extLst>
           </p:cNvPr>
-          <p:cNvSpPr>
-            <a:spLocks noGrp="1"/>
-          </p:cNvSpPr>
+          <p:cNvPicPr>
+            <a:picLocks noGrp="1" noChangeAspect="1"/>
+          </p:cNvPicPr>
           <p:nvPr>
             <p:ph idx="1"/>
           </p:nvPr>
+        </p:nvPicPr>
+        <p:blipFill>
+          <a:blip r:embed="rId2"/>
+          <a:stretch>
+            <a:fillRect/>
+          </a:stretch>
+        </p:blipFill>
+        <p:spPr>
+          <a:xfrm>
+            <a:off x="1111552" y="2316715"/>
+            <a:ext cx="9968894" cy="3917643"/>
+          </a:xfrm>
+        </p:spPr>
+      </p:pic>
+    </p:spTree>
+    <p:extLst>
+      <p:ext uri="{BB962C8B-B14F-4D97-AF65-F5344CB8AC3E}">
+        <p14:creationId xmlns:p14="http://schemas.microsoft.com/office/powerpoint/2010/main" val="3634429808"/>
+      </p:ext>
+    </p:extLst>
+  </p:cSld>
+  <p:clrMapOvr>
+    <a:masterClrMapping/>
+  </p:clrMapOvr>
+</p:sld>
+</file>
+
+<file path=ppt/slides/slide24.xml><?xml version="1.0" encoding="utf-8"?>
+<p:sld xmlns:a="http://schemas.openxmlformats.org/drawingml/2006/main" xmlns:r="http://schemas.openxmlformats.org/officeDocument/2006/relationships" xmlns:p="http://schemas.openxmlformats.org/presentationml/2006/main">
+  <p:cSld>
+    <p:spTree>
+      <p:nvGrpSpPr>
+        <p:cNvPr id="1" name=""/>
+        <p:cNvGrpSpPr/>
+        <p:nvPr/>
+      </p:nvGrpSpPr>
+      <p:grpSpPr>
+        <a:xfrm>
+          <a:off x="0" y="0"/>
+          <a:ext cx="0" cy="0"/>
+          <a:chOff x="0" y="0"/>
+          <a:chExt cx="0" cy="0"/>
+        </a:xfrm>
+      </p:grpSpPr>
+      <p:sp>
+        <p:nvSpPr>
+          <p:cNvPr id="2" name="Titel 1">
+            <a:extLst>
+              <a:ext uri="{FF2B5EF4-FFF2-40B4-BE49-F238E27FC236}">
+                <a16:creationId xmlns:a16="http://schemas.microsoft.com/office/drawing/2014/main" id="{ABE1504A-3350-457C-8181-3155103C5232}"/>
+              </a:ext>
+            </a:extLst>
+          </p:cNvPr>
+          <p:cNvSpPr>
+            <a:spLocks noGrp="1"/>
+          </p:cNvSpPr>
+          <p:nvPr>
+            <p:ph type="title"/>
+          </p:nvPr>
         </p:nvSpPr>
         <p:spPr/>
         <p:txBody>
           <a:bodyPr/>
           <a:lstStyle/>
           <a:p>
-            <a:endParaRPr lang="nl-BE"/>
+            <a:r>
+              <a:rPr lang="nl-BE" dirty="0"/>
+              <a:t>API Calls Website</a:t>
+            </a:r>
           </a:p>
         </p:txBody>
       </p:sp>
       <p:pic>
         <p:nvPicPr>
-          <p:cNvPr id="5" name="Afbeelding 4">
+          <p:cNvPr id="6" name="Afbeelding 5">
             <a:extLst>
               <a:ext uri="{FF2B5EF4-FFF2-40B4-BE49-F238E27FC236}">
-                <a16:creationId xmlns:a16="http://schemas.microsoft.com/office/drawing/2014/main" id="{D2273276-D4EA-4B00-B4B3-56EA5DB8739E}"/>
+                <a16:creationId xmlns:a16="http://schemas.microsoft.com/office/drawing/2014/main" id="{D4D13CA4-DA03-430A-B36C-75F870CF28F4}"/>
               </a:ext>
             </a:extLst>
           </p:cNvPr>
@@ -7654,8 +8181,8 @@
         </p:blipFill>
         <p:spPr>
           <a:xfrm>
-            <a:off x="0" y="2329247"/>
-            <a:ext cx="12192000" cy="4241841"/>
+            <a:off x="2590797" y="2385830"/>
+            <a:ext cx="5962893" cy="4472170"/>
           </a:xfrm>
           <a:prstGeom prst="rect">
             <a:avLst/>
@@ -7665,7 +8192,7 @@
     </p:spTree>
     <p:extLst>
       <p:ext uri="{BB962C8B-B14F-4D97-AF65-F5344CB8AC3E}">
-        <p14:creationId xmlns:p14="http://schemas.microsoft.com/office/powerpoint/2010/main" val="2701833411"/>
+        <p14:creationId xmlns:p14="http://schemas.microsoft.com/office/powerpoint/2010/main" val="2107787654"/>
       </p:ext>
     </p:extLst>
   </p:cSld>
@@ -7736,14 +8263,14 @@
             <p:ph idx="1"/>
             <p:extLst>
               <p:ext uri="{D42A27DB-BD31-4B8C-83A1-F6EECF244321}">
-                <p14:modId xmlns:p14="http://schemas.microsoft.com/office/powerpoint/2010/main" val="3268096171"/>
+                <p14:modId xmlns:p14="http://schemas.microsoft.com/office/powerpoint/2010/main" val="201903165"/>
               </p:ext>
             </p:extLst>
           </p:nvPr>
         </p:nvGraphicFramePr>
         <p:xfrm>
           <a:off x="1874519" y="2232660"/>
-          <a:ext cx="8442960" cy="2392680"/>
+          <a:ext cx="8442960" cy="2021840"/>
         </p:xfrm>
         <a:graphic>
           <a:graphicData uri="http://schemas.openxmlformats.org/drawingml/2006/table">
@@ -7964,13 +8491,26 @@
                     <a:bodyPr/>
                     <a:lstStyle/>
                     <a:p>
-                      <a:r>
-                        <a:rPr lang="nl-BE" dirty="0" err="1"/>
-                        <a:t>WebUntis</a:t>
-                      </a:r>
+                      <a:pPr marL="0" marR="0" lvl="0" indent="0" algn="l" defTabSz="457200" rtl="0" eaLnBrk="1" fontAlgn="auto" latinLnBrk="0" hangingPunct="1">
+                        <a:lnSpc>
+                          <a:spcPct val="100000"/>
+                        </a:lnSpc>
+                        <a:spcBef>
+                          <a:spcPts val="0"/>
+                        </a:spcBef>
+                        <a:spcAft>
+                          <a:spcPts val="0"/>
+                        </a:spcAft>
+                        <a:buClrTx/>
+                        <a:buSzTx/>
+                        <a:buFontTx/>
+                        <a:buNone/>
+                        <a:tabLst/>
+                        <a:defRPr/>
+                      </a:pPr>
                       <a:r>
                         <a:rPr lang="nl-BE" dirty="0"/>
-                        <a:t>/dummy</a:t>
+                        <a:t>Backend</a:t>
                       </a:r>
                     </a:p>
                   </a:txBody>
@@ -7991,7 +8531,7 @@
                     <a:bodyPr/>
                     <a:lstStyle/>
                     <a:p>
-                      <a:endParaRPr lang="nl-BE"/>
+                      <a:endParaRPr lang="nl-BE" dirty="0"/>
                     </a:p>
                   </a:txBody>
                   <a:tcPr/>
@@ -8009,53 +8549,6 @@
                 <a:extLst>
                   <a:ext uri="{0D108BD9-81ED-4DB2-BD59-A6C34878D82A}">
                     <a16:rowId xmlns:a16="http://schemas.microsoft.com/office/drawing/2014/main" val="2859195318"/>
-                  </a:ext>
-                </a:extLst>
-              </a:tr>
-              <a:tr h="370840">
-                <a:tc>
-                  <a:txBody>
-                    <a:bodyPr/>
-                    <a:lstStyle/>
-                    <a:p>
-                      <a:endParaRPr lang="nl-BE"/>
-                    </a:p>
-                  </a:txBody>
-                  <a:tcPr/>
-                </a:tc>
-                <a:tc>
-                  <a:txBody>
-                    <a:bodyPr/>
-                    <a:lstStyle/>
-                    <a:p>
-                      <a:endParaRPr lang="nl-BE"/>
-                    </a:p>
-                  </a:txBody>
-                  <a:tcPr/>
-                </a:tc>
-                <a:tc>
-                  <a:txBody>
-                    <a:bodyPr/>
-                    <a:lstStyle/>
-                    <a:p>
-                      <a:endParaRPr lang="nl-BE"/>
-                    </a:p>
-                  </a:txBody>
-                  <a:tcPr/>
-                </a:tc>
-                <a:tc>
-                  <a:txBody>
-                    <a:bodyPr/>
-                    <a:lstStyle/>
-                    <a:p>
-                      <a:endParaRPr lang="nl-BE" dirty="0"/>
-                    </a:p>
-                  </a:txBody>
-                  <a:tcPr/>
-                </a:tc>
-                <a:extLst>
-                  <a:ext uri="{0D108BD9-81ED-4DB2-BD59-A6C34878D82A}">
-                    <a16:rowId xmlns:a16="http://schemas.microsoft.com/office/drawing/2014/main" val="1147246598"/>
                   </a:ext>
                 </a:extLst>
               </a:tr>
